--- a/lectures/ex2_data_manipulation.pptx
+++ b/lectures/ex2_data_manipulation.pptx
@@ -5,10 +5,12 @@
     <p:sldMasterId id="2147483648" r:id="rId1"/>
   </p:sldMasterIdLst>
   <p:notesMasterIdLst>
-    <p:notesMasterId r:id="rId3"/>
+    <p:notesMasterId r:id="rId5"/>
   </p:notesMasterIdLst>
   <p:sldIdLst>
     <p:sldId id="256" r:id="rId2"/>
+    <p:sldId id="257" r:id="rId3"/>
+    <p:sldId id="258" r:id="rId4"/>
   </p:sldIdLst>
   <p:sldSz cx="12192000" cy="6858000"/>
   <p:notesSz cx="6858000" cy="9144000"/>
@@ -197,7 +199,7 @@
           <a:p>
             <a:fld id="{B4B9AEF4-BC14-DA4D-BC7F-1D0268F5A93E}" type="datetimeFigureOut">
               <a:rPr lang="en-US" smtClean="0"/>
-              <a:t>1/31/19</a:t>
+              <a:t>1/29/20</a:t>
             </a:fld>
             <a:endParaRPr lang="en-US"/>
           </a:p>
@@ -677,7 +679,7 @@
           <a:p>
             <a:fld id="{3177CEBF-2000-4F47-AD97-46990A55266F}" type="datetimeFigureOut">
               <a:rPr lang="en-US" smtClean="0"/>
-              <a:t>1/31/19</a:t>
+              <a:t>1/29/20</a:t>
             </a:fld>
             <a:endParaRPr lang="en-US"/>
           </a:p>
@@ -845,7 +847,7 @@
           <a:p>
             <a:fld id="{3177CEBF-2000-4F47-AD97-46990A55266F}" type="datetimeFigureOut">
               <a:rPr lang="en-US" smtClean="0"/>
-              <a:t>1/31/19</a:t>
+              <a:t>1/29/20</a:t>
             </a:fld>
             <a:endParaRPr lang="en-US"/>
           </a:p>
@@ -1023,7 +1025,7 @@
           <a:p>
             <a:fld id="{3177CEBF-2000-4F47-AD97-46990A55266F}" type="datetimeFigureOut">
               <a:rPr lang="en-US" smtClean="0"/>
-              <a:t>1/31/19</a:t>
+              <a:t>1/29/20</a:t>
             </a:fld>
             <a:endParaRPr lang="en-US"/>
           </a:p>
@@ -1191,7 +1193,7 @@
           <a:p>
             <a:fld id="{3177CEBF-2000-4F47-AD97-46990A55266F}" type="datetimeFigureOut">
               <a:rPr lang="en-US" smtClean="0"/>
-              <a:t>1/31/19</a:t>
+              <a:t>1/29/20</a:t>
             </a:fld>
             <a:endParaRPr lang="en-US"/>
           </a:p>
@@ -1436,7 +1438,7 @@
           <a:p>
             <a:fld id="{3177CEBF-2000-4F47-AD97-46990A55266F}" type="datetimeFigureOut">
               <a:rPr lang="en-US" smtClean="0"/>
-              <a:t>1/31/19</a:t>
+              <a:t>1/29/20</a:t>
             </a:fld>
             <a:endParaRPr lang="en-US"/>
           </a:p>
@@ -1665,7 +1667,7 @@
           <a:p>
             <a:fld id="{3177CEBF-2000-4F47-AD97-46990A55266F}" type="datetimeFigureOut">
               <a:rPr lang="en-US" smtClean="0"/>
-              <a:t>1/31/19</a:t>
+              <a:t>1/29/20</a:t>
             </a:fld>
             <a:endParaRPr lang="en-US"/>
           </a:p>
@@ -2029,7 +2031,7 @@
           <a:p>
             <a:fld id="{3177CEBF-2000-4F47-AD97-46990A55266F}" type="datetimeFigureOut">
               <a:rPr lang="en-US" smtClean="0"/>
-              <a:t>1/31/19</a:t>
+              <a:t>1/29/20</a:t>
             </a:fld>
             <a:endParaRPr lang="en-US"/>
           </a:p>
@@ -2146,7 +2148,7 @@
           <a:p>
             <a:fld id="{3177CEBF-2000-4F47-AD97-46990A55266F}" type="datetimeFigureOut">
               <a:rPr lang="en-US" smtClean="0"/>
-              <a:t>1/31/19</a:t>
+              <a:t>1/29/20</a:t>
             </a:fld>
             <a:endParaRPr lang="en-US"/>
           </a:p>
@@ -2241,7 +2243,7 @@
           <a:p>
             <a:fld id="{3177CEBF-2000-4F47-AD97-46990A55266F}" type="datetimeFigureOut">
               <a:rPr lang="en-US" smtClean="0"/>
-              <a:t>1/31/19</a:t>
+              <a:t>1/29/20</a:t>
             </a:fld>
             <a:endParaRPr lang="en-US"/>
           </a:p>
@@ -2516,7 +2518,7 @@
           <a:p>
             <a:fld id="{3177CEBF-2000-4F47-AD97-46990A55266F}" type="datetimeFigureOut">
               <a:rPr lang="en-US" smtClean="0"/>
-              <a:t>1/31/19</a:t>
+              <a:t>1/29/20</a:t>
             </a:fld>
             <a:endParaRPr lang="en-US"/>
           </a:p>
@@ -2768,7 +2770,7 @@
           <a:p>
             <a:fld id="{3177CEBF-2000-4F47-AD97-46990A55266F}" type="datetimeFigureOut">
               <a:rPr lang="en-US" smtClean="0"/>
-              <a:t>1/31/19</a:t>
+              <a:t>1/29/20</a:t>
             </a:fld>
             <a:endParaRPr lang="en-US"/>
           </a:p>
@@ -2979,7 +2981,7 @@
           <a:p>
             <a:fld id="{3177CEBF-2000-4F47-AD97-46990A55266F}" type="datetimeFigureOut">
               <a:rPr lang="en-US" smtClean="0"/>
-              <a:t>1/31/19</a:t>
+              <a:t>1/29/20</a:t>
             </a:fld>
             <a:endParaRPr lang="en-US"/>
           </a:p>
@@ -3894,7 +3896,7 @@
                 <a:ea typeface="Arial" charset="0"/>
                 <a:cs typeface="Arial" charset="0"/>
               </a:rPr>
-              <a:t>” Replace this with some text about your project, like the paragraph you turned in. Describe the type of investigations you might do with your data, and how you will break them up into different components (this can be changed and is just for practice, but the goal here is I will do xx analysis, and then I will make xx figure..).  You can delete the rest of the text in the file.</a:t>
+              <a:t>” Replace with the paragraph you turned in about your data. Describe the type of investigations you might do with your data, and how you will break them up into different components (this can be changed and is just for practice, but the goal here is I will do xx analysis, and then I will make xx figure..).  You can delete the rest of the text in the file.</a:t>
             </a:r>
           </a:p>
           <a:p>
@@ -4024,7 +4026,7 @@
                 <a:ea typeface="Arial" charset="0"/>
                 <a:cs typeface="Arial" charset="0"/>
               </a:rPr>
-              <a:t>). </a:t>
+              <a:t>). (Directions on next slide)</a:t>
             </a:r>
           </a:p>
           <a:p>
@@ -4556,6 +4558,350 @@
     <p:extLst>
       <p:ext uri="{BB962C8B-B14F-4D97-AF65-F5344CB8AC3E}">
         <p14:creationId xmlns:p14="http://schemas.microsoft.com/office/powerpoint/2010/main" val="708122104"/>
+      </p:ext>
+    </p:extLst>
+  </p:cSld>
+  <p:clrMapOvr>
+    <a:masterClrMapping/>
+  </p:clrMapOvr>
+</p:sld>
+</file>
+
+<file path=ppt/slides/slide2.xml><?xml version="1.0" encoding="utf-8"?>
+<p:sld xmlns:a="http://schemas.openxmlformats.org/drawingml/2006/main" xmlns:r="http://schemas.openxmlformats.org/officeDocument/2006/relationships" xmlns:p="http://schemas.openxmlformats.org/presentationml/2006/main">
+  <p:cSld>
+    <p:spTree>
+      <p:nvGrpSpPr>
+        <p:cNvPr id="1" name=""/>
+        <p:cNvGrpSpPr/>
+        <p:nvPr/>
+      </p:nvGrpSpPr>
+      <p:grpSpPr>
+        <a:xfrm>
+          <a:off x="0" y="0"/>
+          <a:ext cx="0" cy="0"/>
+          <a:chOff x="0" y="0"/>
+          <a:chExt cx="0" cy="0"/>
+        </a:xfrm>
+      </p:grpSpPr>
+      <p:sp>
+        <p:nvSpPr>
+          <p:cNvPr id="2" name="Title 1">
+            <a:extLst>
+              <a:ext uri="{FF2B5EF4-FFF2-40B4-BE49-F238E27FC236}">
+                <a16:creationId xmlns:a16="http://schemas.microsoft.com/office/drawing/2014/main" id="{F102A437-7AEB-3146-A44B-8079B514B7B0}"/>
+              </a:ext>
+            </a:extLst>
+          </p:cNvPr>
+          <p:cNvSpPr>
+            <a:spLocks noGrp="1"/>
+          </p:cNvSpPr>
+          <p:nvPr>
+            <p:ph type="title"/>
+          </p:nvPr>
+        </p:nvSpPr>
+        <p:spPr/>
+        <p:txBody>
+          <a:bodyPr/>
+          <a:lstStyle/>
+          <a:p>
+            <a:r>
+              <a:rPr lang="en-US" dirty="0"/>
+              <a:t>For PC people when Git won’t work</a:t>
+            </a:r>
+          </a:p>
+        </p:txBody>
+      </p:sp>
+      <p:pic>
+        <p:nvPicPr>
+          <p:cNvPr id="4" name="Picture 3">
+            <a:extLst>
+              <a:ext uri="{FF2B5EF4-FFF2-40B4-BE49-F238E27FC236}">
+                <a16:creationId xmlns:a16="http://schemas.microsoft.com/office/drawing/2014/main" id="{D62884DC-87F7-1A4C-AB88-6EDA9D7A6F8D}"/>
+              </a:ext>
+            </a:extLst>
+          </p:cNvPr>
+          <p:cNvPicPr>
+            <a:picLocks noChangeAspect="1"/>
+          </p:cNvPicPr>
+          <p:nvPr/>
+        </p:nvPicPr>
+        <p:blipFill>
+          <a:blip r:embed="rId2"/>
+          <a:stretch>
+            <a:fillRect/>
+          </a:stretch>
+        </p:blipFill>
+        <p:spPr>
+          <a:xfrm>
+            <a:off x="4026560" y="1182030"/>
+            <a:ext cx="7236172" cy="5131980"/>
+          </a:xfrm>
+          <a:prstGeom prst="rect">
+            <a:avLst/>
+          </a:prstGeom>
+        </p:spPr>
+      </p:pic>
+      <p:sp>
+        <p:nvSpPr>
+          <p:cNvPr id="5" name="Rectangle 4">
+            <a:extLst>
+              <a:ext uri="{FF2B5EF4-FFF2-40B4-BE49-F238E27FC236}">
+                <a16:creationId xmlns:a16="http://schemas.microsoft.com/office/drawing/2014/main" id="{E92A3A7F-FE08-2341-B545-0D9586DB6EAD}"/>
+              </a:ext>
+            </a:extLst>
+          </p:cNvPr>
+          <p:cNvSpPr/>
+          <p:nvPr/>
+        </p:nvSpPr>
+        <p:spPr>
+          <a:xfrm>
+            <a:off x="274175" y="1500092"/>
+            <a:ext cx="2937376" cy="3416320"/>
+          </a:xfrm>
+          <a:prstGeom prst="rect">
+            <a:avLst/>
+          </a:prstGeom>
+        </p:spPr>
+        <p:txBody>
+          <a:bodyPr wrap="square">
+            <a:spAutoFit/>
+          </a:bodyPr>
+          <a:lstStyle/>
+          <a:p>
+            <a:pPr>
+              <a:buFont typeface="Arial" panose="020B0604020202020204" pitchFamily="34" charset="0"/>
+              <a:buChar char="•"/>
+            </a:pPr>
+            <a:r>
+              <a:rPr lang="en-US" dirty="0">
+                <a:solidFill>
+                  <a:srgbClr val="222222"/>
+                </a:solidFill>
+                <a:latin typeface="Tuffy"/>
+              </a:rPr>
+              <a:t>Click the Windows or Start icon</a:t>
+            </a:r>
+          </a:p>
+          <a:p>
+            <a:pPr>
+              <a:buFont typeface="Arial" panose="020B0604020202020204" pitchFamily="34" charset="0"/>
+              <a:buChar char="•"/>
+            </a:pPr>
+            <a:r>
+              <a:rPr lang="en-US" dirty="0">
+                <a:solidFill>
+                  <a:srgbClr val="222222"/>
+                </a:solidFill>
+                <a:latin typeface="Tuffy"/>
+              </a:rPr>
+              <a:t>In the Programs list, open the Git folder</a:t>
+            </a:r>
+          </a:p>
+          <a:p>
+            <a:pPr>
+              <a:buFont typeface="Arial" panose="020B0604020202020204" pitchFamily="34" charset="0"/>
+              <a:buChar char="•"/>
+            </a:pPr>
+            <a:r>
+              <a:rPr lang="en-US" dirty="0">
+                <a:solidFill>
+                  <a:srgbClr val="222222"/>
+                </a:solidFill>
+                <a:latin typeface="Tuffy"/>
+              </a:rPr>
+              <a:t>Click the option for Git Bash.</a:t>
+            </a:r>
+          </a:p>
+          <a:p>
+            <a:pPr>
+              <a:buFont typeface="Arial" panose="020B0604020202020204" pitchFamily="34" charset="0"/>
+              <a:buChar char="•"/>
+            </a:pPr>
+            <a:endParaRPr lang="en-US" b="0" i="0" dirty="0">
+              <a:solidFill>
+                <a:srgbClr val="222222"/>
+              </a:solidFill>
+              <a:effectLst/>
+              <a:latin typeface="Tuffy"/>
+            </a:endParaRPr>
+          </a:p>
+          <a:p>
+            <a:pPr>
+              <a:buFont typeface="Arial" panose="020B0604020202020204" pitchFamily="34" charset="0"/>
+              <a:buChar char="•"/>
+            </a:pPr>
+            <a:r>
+              <a:rPr lang="en-US" dirty="0">
+                <a:hlinkClick r:id="rId3"/>
+              </a:rPr>
+              <a:t>https://help.github.com/en/github/using-git/setting-your-username-in-git</a:t>
+            </a:r>
+            <a:endParaRPr lang="en-US" dirty="0"/>
+          </a:p>
+          <a:p>
+            <a:pPr>
+              <a:buFont typeface="Arial" panose="020B0604020202020204" pitchFamily="34" charset="0"/>
+              <a:buChar char="•"/>
+            </a:pPr>
+            <a:endParaRPr lang="en-US" b="0" i="0" dirty="0">
+              <a:solidFill>
+                <a:srgbClr val="222222"/>
+              </a:solidFill>
+              <a:effectLst/>
+              <a:latin typeface="Tuffy"/>
+            </a:endParaRPr>
+          </a:p>
+          <a:p>
+            <a:pPr>
+              <a:buFont typeface="Arial" panose="020B0604020202020204" pitchFamily="34" charset="0"/>
+              <a:buChar char="•"/>
+            </a:pPr>
+            <a:endParaRPr lang="en-US" b="0" i="0" dirty="0">
+              <a:solidFill>
+                <a:srgbClr val="222222"/>
+              </a:solidFill>
+              <a:effectLst/>
+              <a:latin typeface="Tuffy"/>
+            </a:endParaRPr>
+          </a:p>
+          <a:p>
+            <a:pPr>
+              <a:buFont typeface="Arial" panose="020B0604020202020204" pitchFamily="34" charset="0"/>
+              <a:buChar char="•"/>
+            </a:pPr>
+            <a:endParaRPr lang="en-US" b="0" i="0" dirty="0">
+              <a:solidFill>
+                <a:srgbClr val="222222"/>
+              </a:solidFill>
+              <a:effectLst/>
+              <a:latin typeface="Tuffy"/>
+            </a:endParaRPr>
+          </a:p>
+        </p:txBody>
+      </p:sp>
+      <p:pic>
+        <p:nvPicPr>
+          <p:cNvPr id="6" name="Picture 5">
+            <a:extLst>
+              <a:ext uri="{FF2B5EF4-FFF2-40B4-BE49-F238E27FC236}">
+                <a16:creationId xmlns:a16="http://schemas.microsoft.com/office/drawing/2014/main" id="{5A7CDF9C-C731-FF4B-B2C6-5A0B7C7E40D6}"/>
+              </a:ext>
+            </a:extLst>
+          </p:cNvPr>
+          <p:cNvPicPr>
+            <a:picLocks noChangeAspect="1"/>
+          </p:cNvPicPr>
+          <p:nvPr/>
+        </p:nvPicPr>
+        <p:blipFill>
+          <a:blip r:embed="rId4"/>
+          <a:stretch>
+            <a:fillRect/>
+          </a:stretch>
+        </p:blipFill>
+        <p:spPr>
+          <a:xfrm>
+            <a:off x="274175" y="4374067"/>
+            <a:ext cx="6360801" cy="1513142"/>
+          </a:xfrm>
+          <a:prstGeom prst="rect">
+            <a:avLst/>
+          </a:prstGeom>
+        </p:spPr>
+      </p:pic>
+    </p:spTree>
+    <p:extLst>
+      <p:ext uri="{BB962C8B-B14F-4D97-AF65-F5344CB8AC3E}">
+        <p14:creationId xmlns:p14="http://schemas.microsoft.com/office/powerpoint/2010/main" val="3604197260"/>
+      </p:ext>
+    </p:extLst>
+  </p:cSld>
+  <p:clrMapOvr>
+    <a:masterClrMapping/>
+  </p:clrMapOvr>
+</p:sld>
+</file>
+
+<file path=ppt/slides/slide3.xml><?xml version="1.0" encoding="utf-8"?>
+<p:sld xmlns:a="http://schemas.openxmlformats.org/drawingml/2006/main" xmlns:r="http://schemas.openxmlformats.org/officeDocument/2006/relationships" xmlns:p="http://schemas.openxmlformats.org/presentationml/2006/main">
+  <p:cSld>
+    <p:spTree>
+      <p:nvGrpSpPr>
+        <p:cNvPr id="1" name=""/>
+        <p:cNvGrpSpPr/>
+        <p:nvPr/>
+      </p:nvGrpSpPr>
+      <p:grpSpPr>
+        <a:xfrm>
+          <a:off x="0" y="0"/>
+          <a:ext cx="0" cy="0"/>
+          <a:chOff x="0" y="0"/>
+          <a:chExt cx="0" cy="0"/>
+        </a:xfrm>
+      </p:grpSpPr>
+      <p:sp>
+        <p:nvSpPr>
+          <p:cNvPr id="2" name="Title 1">
+            <a:extLst>
+              <a:ext uri="{FF2B5EF4-FFF2-40B4-BE49-F238E27FC236}">
+                <a16:creationId xmlns:a16="http://schemas.microsoft.com/office/drawing/2014/main" id="{668858A6-BC6F-0344-A7D2-08B5CD2AFA34}"/>
+              </a:ext>
+            </a:extLst>
+          </p:cNvPr>
+          <p:cNvSpPr>
+            <a:spLocks noGrp="1"/>
+          </p:cNvSpPr>
+          <p:nvPr>
+            <p:ph type="title"/>
+          </p:nvPr>
+        </p:nvSpPr>
+        <p:spPr/>
+        <p:txBody>
+          <a:bodyPr/>
+          <a:lstStyle/>
+          <a:p>
+            <a:r>
+              <a:rPr lang="en-US" dirty="0"/>
+              <a:t>User name first:</a:t>
+            </a:r>
+          </a:p>
+        </p:txBody>
+      </p:sp>
+      <p:pic>
+        <p:nvPicPr>
+          <p:cNvPr id="4" name="Picture 3">
+            <a:extLst>
+              <a:ext uri="{FF2B5EF4-FFF2-40B4-BE49-F238E27FC236}">
+                <a16:creationId xmlns:a16="http://schemas.microsoft.com/office/drawing/2014/main" id="{B5E62C33-192D-A14D-9B85-74684619EE57}"/>
+              </a:ext>
+            </a:extLst>
+          </p:cNvPr>
+          <p:cNvPicPr>
+            <a:picLocks noChangeAspect="1"/>
+          </p:cNvPicPr>
+          <p:nvPr/>
+        </p:nvPicPr>
+        <p:blipFill>
+          <a:blip r:embed="rId2"/>
+          <a:stretch>
+            <a:fillRect/>
+          </a:stretch>
+        </p:blipFill>
+        <p:spPr>
+          <a:xfrm>
+            <a:off x="530302" y="1471806"/>
+            <a:ext cx="9347200" cy="4940300"/>
+          </a:xfrm>
+          <a:prstGeom prst="rect">
+            <a:avLst/>
+          </a:prstGeom>
+        </p:spPr>
+      </p:pic>
+    </p:spTree>
+    <p:extLst>
+      <p:ext uri="{BB962C8B-B14F-4D97-AF65-F5344CB8AC3E}">
+        <p14:creationId xmlns:p14="http://schemas.microsoft.com/office/powerpoint/2010/main" val="1089599019"/>
       </p:ext>
     </p:extLst>
   </p:cSld>
